--- a/Ecoteam - Présentation.pptx
+++ b/Ecoteam - Présentation.pptx
@@ -5,18 +5,15 @@
     <p:sldMasterId id="2147483660" r:id="rId1"/>
   </p:sldMasterIdLst>
   <p:notesMasterIdLst>
-    <p:notesMasterId r:id="rId11"/>
+    <p:notesMasterId r:id="rId8"/>
   </p:notesMasterIdLst>
   <p:sldIdLst>
     <p:sldId id="256" r:id="rId2"/>
     <p:sldId id="264" r:id="rId3"/>
     <p:sldId id="262" r:id="rId4"/>
-    <p:sldId id="257" r:id="rId5"/>
-    <p:sldId id="258" r:id="rId6"/>
-    <p:sldId id="259" r:id="rId7"/>
-    <p:sldId id="260" r:id="rId8"/>
-    <p:sldId id="261" r:id="rId9"/>
-    <p:sldId id="263" r:id="rId10"/>
+    <p:sldId id="260" r:id="rId5"/>
+    <p:sldId id="261" r:id="rId6"/>
+    <p:sldId id="263" r:id="rId7"/>
   </p:sldIdLst>
   <p:sldSz cx="12192000" cy="6858000"/>
   <p:notesSz cx="6858000" cy="9144000"/>
@@ -3535,24 +3532,24 @@
     </dgm:pt>
   </dgm:ptLst>
   <dgm:cxnLst>
+    <dgm:cxn modelId="{6A7466AD-AD41-441E-8ECD-4FCFCFEA9581}" type="presOf" srcId="{DE1A9ABF-E280-4D4F-9C5F-9F2D4633ABC9}" destId="{CF2C0FF1-61AB-4AB9-B173-58AAC5625C6D}" srcOrd="0" destOrd="0" presId="urn:microsoft.com/office/officeart/2005/8/layout/hierarchy1"/>
     <dgm:cxn modelId="{4D7C338C-A772-47CD-A866-5F13243DA0FC}" type="presOf" srcId="{C109B504-B6D3-4D48-9084-6E861D683E03}" destId="{E11F380D-1801-4303-BDE6-7D8D6A05B594}" srcOrd="0" destOrd="0" presId="urn:microsoft.com/office/officeart/2005/8/layout/hierarchy1"/>
+    <dgm:cxn modelId="{85BCFCEA-69C0-48DB-881A-5C2E3603F627}" srcId="{3B28DA7B-484A-434E-A4CB-5A133C5EE821}" destId="{B1399AEA-D1BB-4F6F-9B74-8AC8A38FD791}" srcOrd="0" destOrd="0" parTransId="{C109B504-B6D3-4D48-9084-6E861D683E03}" sibTransId="{BCC6580C-BAD7-48D0-B02F-FDD96B308C2A}"/>
     <dgm:cxn modelId="{E68EACD2-714A-406D-8D55-6416B72FCF33}" type="presOf" srcId="{440EDD98-7BC5-4CBE-94A8-7A04FDF9572B}" destId="{73004E5A-5F10-4A80-9175-9C7BECF46717}" srcOrd="0" destOrd="0" presId="urn:microsoft.com/office/officeart/2005/8/layout/hierarchy1"/>
-    <dgm:cxn modelId="{CB255FDC-BF34-434D-9A70-728DD31F8995}" type="presOf" srcId="{CB29EB1A-0F9E-4CC6-9700-CCF42FD1A532}" destId="{11ECCFDD-E0ED-4A27-B152-82A169B87BE3}" srcOrd="0" destOrd="0" presId="urn:microsoft.com/office/officeart/2005/8/layout/hierarchy1"/>
-    <dgm:cxn modelId="{7DC96AA2-B09F-4B91-B092-ECC6DA0D6E74}" type="presOf" srcId="{3C53CE17-DB03-4441-BBC5-F48C80F0F2B5}" destId="{7C73F157-B816-451A-82F7-12DFC5A2718E}" srcOrd="0" destOrd="0" presId="urn:microsoft.com/office/officeart/2005/8/layout/hierarchy1"/>
     <dgm:cxn modelId="{5AF4D05D-84FB-46E6-A694-F4225EDF1772}" srcId="{3B28DA7B-484A-434E-A4CB-5A133C5EE821}" destId="{440EDD98-7BC5-4CBE-94A8-7A04FDF9572B}" srcOrd="1" destOrd="0" parTransId="{3C53CE17-DB03-4441-BBC5-F48C80F0F2B5}" sibTransId="{8E4C9EB5-F24D-4038-8ABD-8C1787807F91}"/>
     <dgm:cxn modelId="{C67C717C-CB3C-4B1A-A062-E627E3A106EA}" srcId="{440EDD98-7BC5-4CBE-94A8-7A04FDF9572B}" destId="{4E2A313B-A16B-4C3D-A2FF-2A6CD57586A9}" srcOrd="0" destOrd="0" parTransId="{37DA8541-C3B0-4F85-B985-155339959CB0}" sibTransId="{9312414E-7B62-4479-8315-49E572C3FCFD}"/>
+    <dgm:cxn modelId="{BFBEE190-E88F-4DFC-8907-6DC31C150B0F}" type="presOf" srcId="{3B28DA7B-484A-434E-A4CB-5A133C5EE821}" destId="{AB14C3DD-158D-41EA-929D-9D4726ACC3EE}" srcOrd="0" destOrd="0" presId="urn:microsoft.com/office/officeart/2005/8/layout/hierarchy1"/>
+    <dgm:cxn modelId="{35E4CD30-EB85-4FAA-AB97-37F4B3024A82}" type="presOf" srcId="{6DB74128-4288-444B-A183-0E12E3311516}" destId="{6A269234-6212-4F27-A9FD-D35DD8BD7566}" srcOrd="0" destOrd="0" presId="urn:microsoft.com/office/officeart/2005/8/layout/hierarchy1"/>
     <dgm:cxn modelId="{1F69C0E9-40E0-4389-B3B6-4D6DE54B963C}" srcId="{B1399AEA-D1BB-4F6F-9B74-8AC8A38FD791}" destId="{CB29EB1A-0F9E-4CC6-9700-CCF42FD1A532}" srcOrd="1" destOrd="0" parTransId="{A1E764B5-EE9A-4BE2-81CB-D29D12E5FB18}" sibTransId="{77F88F3B-8228-4547-9F74-6A5B35D87B25}"/>
-    <dgm:cxn modelId="{BFBEE190-E88F-4DFC-8907-6DC31C150B0F}" type="presOf" srcId="{3B28DA7B-484A-434E-A4CB-5A133C5EE821}" destId="{AB14C3DD-158D-41EA-929D-9D4726ACC3EE}" srcOrd="0" destOrd="0" presId="urn:microsoft.com/office/officeart/2005/8/layout/hierarchy1"/>
+    <dgm:cxn modelId="{E49E74F1-C2E8-4E8A-83B0-B72E86FC1E75}" type="presOf" srcId="{B1399AEA-D1BB-4F6F-9B74-8AC8A38FD791}" destId="{FA86E771-D9A7-4983-A448-C060076B14A7}" srcOrd="0" destOrd="0" presId="urn:microsoft.com/office/officeart/2005/8/layout/hierarchy1"/>
     <dgm:cxn modelId="{7FC9A00F-51B6-4D4E-BD0D-5C1608893322}" type="presOf" srcId="{37DA8541-C3B0-4F85-B985-155339959CB0}" destId="{3806BC46-A3D9-478D-A1EF-C4240AA86374}" srcOrd="0" destOrd="0" presId="urn:microsoft.com/office/officeart/2005/8/layout/hierarchy1"/>
-    <dgm:cxn modelId="{85BCFCEA-69C0-48DB-881A-5C2E3603F627}" srcId="{3B28DA7B-484A-434E-A4CB-5A133C5EE821}" destId="{B1399AEA-D1BB-4F6F-9B74-8AC8A38FD791}" srcOrd="0" destOrd="0" parTransId="{C109B504-B6D3-4D48-9084-6E861D683E03}" sibTransId="{BCC6580C-BAD7-48D0-B02F-FDD96B308C2A}"/>
-    <dgm:cxn modelId="{E49E74F1-C2E8-4E8A-83B0-B72E86FC1E75}" type="presOf" srcId="{B1399AEA-D1BB-4F6F-9B74-8AC8A38FD791}" destId="{FA86E771-D9A7-4983-A448-C060076B14A7}" srcOrd="0" destOrd="0" presId="urn:microsoft.com/office/officeart/2005/8/layout/hierarchy1"/>
+    <dgm:cxn modelId="{70CC8793-1992-4650-8358-03A37F536D92}" type="presOf" srcId="{9AD211E1-72AF-4B94-8884-97020CFE89DC}" destId="{BF65CFCA-2734-4EC6-9AEA-C8CBFEE232FB}" srcOrd="0" destOrd="0" presId="urn:microsoft.com/office/officeart/2005/8/layout/hierarchy1"/>
+    <dgm:cxn modelId="{CB255FDC-BF34-434D-9A70-728DD31F8995}" type="presOf" srcId="{CB29EB1A-0F9E-4CC6-9700-CCF42FD1A532}" destId="{11ECCFDD-E0ED-4A27-B152-82A169B87BE3}" srcOrd="0" destOrd="0" presId="urn:microsoft.com/office/officeart/2005/8/layout/hierarchy1"/>
     <dgm:cxn modelId="{2DC6CF0B-C304-41AB-9D3E-918C75FDFFCC}" srcId="{DE1A9ABF-E280-4D4F-9C5F-9F2D4633ABC9}" destId="{3B28DA7B-484A-434E-A4CB-5A133C5EE821}" srcOrd="0" destOrd="0" parTransId="{852048A1-0F9D-40B4-8450-A5A7A20C93DD}" sibTransId="{310D11CF-98E2-4455-9162-8E6889731713}"/>
+    <dgm:cxn modelId="{7DC96AA2-B09F-4B91-B092-ECC6DA0D6E74}" type="presOf" srcId="{3C53CE17-DB03-4441-BBC5-F48C80F0F2B5}" destId="{7C73F157-B816-451A-82F7-12DFC5A2718E}" srcOrd="0" destOrd="0" presId="urn:microsoft.com/office/officeart/2005/8/layout/hierarchy1"/>
+    <dgm:cxn modelId="{2C00893B-C40C-431B-B834-239BDA6BC421}" type="presOf" srcId="{A1E764B5-EE9A-4BE2-81CB-D29D12E5FB18}" destId="{9ED73D4E-B470-4940-8F96-2D4621B37B30}" srcOrd="0" destOrd="0" presId="urn:microsoft.com/office/officeart/2005/8/layout/hierarchy1"/>
+    <dgm:cxn modelId="{ACE7C6FC-1792-4904-B3BC-71F7EFC38F43}" type="presOf" srcId="{4E2A313B-A16B-4C3D-A2FF-2A6CD57586A9}" destId="{5418F189-F6E0-44FC-9771-7FD9511E93D4}" srcOrd="0" destOrd="0" presId="urn:microsoft.com/office/officeart/2005/8/layout/hierarchy1"/>
     <dgm:cxn modelId="{D9091297-4F69-44C2-8425-34F64C7ADE25}" srcId="{B1399AEA-D1BB-4F6F-9B74-8AC8A38FD791}" destId="{6DB74128-4288-444B-A183-0E12E3311516}" srcOrd="0" destOrd="0" parTransId="{9AD211E1-72AF-4B94-8884-97020CFE89DC}" sibTransId="{EF145BDD-5190-479F-B42C-E4D13DCD59EC}"/>
-    <dgm:cxn modelId="{6A7466AD-AD41-441E-8ECD-4FCFCFEA9581}" type="presOf" srcId="{DE1A9ABF-E280-4D4F-9C5F-9F2D4633ABC9}" destId="{CF2C0FF1-61AB-4AB9-B173-58AAC5625C6D}" srcOrd="0" destOrd="0" presId="urn:microsoft.com/office/officeart/2005/8/layout/hierarchy1"/>
-    <dgm:cxn modelId="{ACE7C6FC-1792-4904-B3BC-71F7EFC38F43}" type="presOf" srcId="{4E2A313B-A16B-4C3D-A2FF-2A6CD57586A9}" destId="{5418F189-F6E0-44FC-9771-7FD9511E93D4}" srcOrd="0" destOrd="0" presId="urn:microsoft.com/office/officeart/2005/8/layout/hierarchy1"/>
-    <dgm:cxn modelId="{2C00893B-C40C-431B-B834-239BDA6BC421}" type="presOf" srcId="{A1E764B5-EE9A-4BE2-81CB-D29D12E5FB18}" destId="{9ED73D4E-B470-4940-8F96-2D4621B37B30}" srcOrd="0" destOrd="0" presId="urn:microsoft.com/office/officeart/2005/8/layout/hierarchy1"/>
-    <dgm:cxn modelId="{35E4CD30-EB85-4FAA-AB97-37F4B3024A82}" type="presOf" srcId="{6DB74128-4288-444B-A183-0E12E3311516}" destId="{6A269234-6212-4F27-A9FD-D35DD8BD7566}" srcOrd="0" destOrd="0" presId="urn:microsoft.com/office/officeart/2005/8/layout/hierarchy1"/>
-    <dgm:cxn modelId="{70CC8793-1992-4650-8358-03A37F536D92}" type="presOf" srcId="{9AD211E1-72AF-4B94-8884-97020CFE89DC}" destId="{BF65CFCA-2734-4EC6-9AEA-C8CBFEE232FB}" srcOrd="0" destOrd="0" presId="urn:microsoft.com/office/officeart/2005/8/layout/hierarchy1"/>
     <dgm:cxn modelId="{956230E2-D7A6-48CF-AFE5-175A07A158D7}" type="presParOf" srcId="{CF2C0FF1-61AB-4AB9-B173-58AAC5625C6D}" destId="{36D40DE4-EE00-488F-9008-7E9142E9D1AC}" srcOrd="0" destOrd="0" presId="urn:microsoft.com/office/officeart/2005/8/layout/hierarchy1"/>
     <dgm:cxn modelId="{7EDB82E9-70C0-4992-8D88-B2DFB3A27769}" type="presParOf" srcId="{36D40DE4-EE00-488F-9008-7E9142E9D1AC}" destId="{E2CD1A2C-FB93-4B92-8338-D933A1A587AF}" srcOrd="0" destOrd="0" presId="urn:microsoft.com/office/officeart/2005/8/layout/hierarchy1"/>
     <dgm:cxn modelId="{A63DD5C5-D539-42E1-B6E6-D6A10554E798}" type="presParOf" srcId="{E2CD1A2C-FB93-4B92-8338-D933A1A587AF}" destId="{A5B3C258-3B01-4D17-AA31-5C5ED233994B}" srcOrd="0" destOrd="0" presId="urn:microsoft.com/office/officeart/2005/8/layout/hierarchy1"/>
@@ -11630,7 +11627,7 @@
           <a:p>
             <a:fld id="{9BD107F5-784A-4AD3-A051-7AB593E35F62}" type="datetimeFigureOut">
               <a:rPr lang="fr-MA" smtClean="0"/>
-              <a:t>29/11/2019</a:t>
+              <a:t>13/12/2019</a:t>
             </a:fld>
             <a:endParaRPr lang="fr-MA"/>
           </a:p>
@@ -11898,90 +11895,6 @@
 </p:notesMaster>
 </file>
 
-<file path=ppt/notesSlides/notesSlide1.xml><?xml version="1.0" encoding="utf-8"?>
-<p:notes xmlns:a="http://schemas.openxmlformats.org/drawingml/2006/main" xmlns:r="http://schemas.openxmlformats.org/officeDocument/2006/relationships" xmlns:p="http://schemas.openxmlformats.org/presentationml/2006/main">
-  <p:cSld>
-    <p:spTree>
-      <p:nvGrpSpPr>
-        <p:cNvPr id="1" name=""/>
-        <p:cNvGrpSpPr/>
-        <p:nvPr/>
-      </p:nvGrpSpPr>
-      <p:grpSpPr>
-        <a:xfrm>
-          <a:off x="0" y="0"/>
-          <a:ext cx="0" cy="0"/>
-          <a:chOff x="0" y="0"/>
-          <a:chExt cx="0" cy="0"/>
-        </a:xfrm>
-      </p:grpSpPr>
-      <p:sp>
-        <p:nvSpPr>
-          <p:cNvPr id="2" name="Espace réservé de l'image des diapositives 1"/>
-          <p:cNvSpPr>
-            <a:spLocks noGrp="1" noRot="1" noChangeAspect="1"/>
-          </p:cNvSpPr>
-          <p:nvPr>
-            <p:ph type="sldImg"/>
-          </p:nvPr>
-        </p:nvSpPr>
-        <p:spPr/>
-      </p:sp>
-      <p:sp>
-        <p:nvSpPr>
-          <p:cNvPr id="3" name="Espace réservé des notes 2"/>
-          <p:cNvSpPr>
-            <a:spLocks noGrp="1"/>
-          </p:cNvSpPr>
-          <p:nvPr>
-            <p:ph type="body" idx="1"/>
-          </p:nvPr>
-        </p:nvSpPr>
-        <p:spPr/>
-        <p:txBody>
-          <a:bodyPr/>
-          <a:lstStyle/>
-          <a:p>
-            <a:endParaRPr lang="fr-MA" dirty="0"/>
-          </a:p>
-        </p:txBody>
-      </p:sp>
-      <p:sp>
-        <p:nvSpPr>
-          <p:cNvPr id="4" name="Espace réservé du numéro de diapositive 3"/>
-          <p:cNvSpPr>
-            <a:spLocks noGrp="1"/>
-          </p:cNvSpPr>
-          <p:nvPr>
-            <p:ph type="sldNum" sz="quarter" idx="10"/>
-          </p:nvPr>
-        </p:nvSpPr>
-        <p:spPr/>
-        <p:txBody>
-          <a:bodyPr/>
-          <a:lstStyle/>
-          <a:p>
-            <a:fld id="{B2D272F5-75A1-45CC-9E9B-486D2DF92D9E}" type="slidenum">
-              <a:rPr lang="fr-MA" smtClean="0"/>
-              <a:t>5</a:t>
-            </a:fld>
-            <a:endParaRPr lang="fr-MA"/>
-          </a:p>
-        </p:txBody>
-      </p:sp>
-    </p:spTree>
-    <p:extLst>
-      <p:ext uri="{BB962C8B-B14F-4D97-AF65-F5344CB8AC3E}">
-        <p14:creationId xmlns:p14="http://schemas.microsoft.com/office/powerpoint/2010/main" val="2581927512"/>
-      </p:ext>
-    </p:extLst>
-  </p:cSld>
-  <p:clrMapOvr>
-    <a:masterClrMapping/>
-  </p:clrMapOvr>
-</p:notes>
-</file>
-
 <file path=ppt/slideLayouts/slideLayout1.xml><?xml version="1.0" encoding="utf-8"?>
 <p:sldLayout xmlns:a="http://schemas.openxmlformats.org/drawingml/2006/main" xmlns:r="http://schemas.openxmlformats.org/officeDocument/2006/relationships" xmlns:p="http://schemas.openxmlformats.org/presentationml/2006/main" type="title" preserve="1">
   <p:cSld name="Diapositive de titre">
@@ -12168,7 +12081,7 @@
           <a:p>
             <a:fld id="{AA5808A4-E24E-43BC-9192-3C4EDE812F60}" type="datetimeFigureOut">
               <a:rPr lang="fr-MA" smtClean="0"/>
-              <a:t>29/11/2019</a:t>
+              <a:t>13/12/2019</a:t>
             </a:fld>
             <a:endParaRPr lang="fr-MA"/>
           </a:p>
@@ -12443,7 +12356,7 @@
           <a:p>
             <a:fld id="{AA5808A4-E24E-43BC-9192-3C4EDE812F60}" type="datetimeFigureOut">
               <a:rPr lang="fr-MA" smtClean="0"/>
-              <a:t>29/11/2019</a:t>
+              <a:t>13/12/2019</a:t>
             </a:fld>
             <a:endParaRPr lang="fr-MA"/>
           </a:p>
@@ -12637,7 +12550,7 @@
           <a:p>
             <a:fld id="{AA5808A4-E24E-43BC-9192-3C4EDE812F60}" type="datetimeFigureOut">
               <a:rPr lang="fr-MA" smtClean="0"/>
-              <a:t>29/11/2019</a:t>
+              <a:t>13/12/2019</a:t>
             </a:fld>
             <a:endParaRPr lang="fr-MA"/>
           </a:p>
@@ -12910,7 +12823,7 @@
           <a:p>
             <a:fld id="{AA5808A4-E24E-43BC-9192-3C4EDE812F60}" type="datetimeFigureOut">
               <a:rPr lang="fr-MA" smtClean="0"/>
-              <a:t>29/11/2019</a:t>
+              <a:t>13/12/2019</a:t>
             </a:fld>
             <a:endParaRPr lang="fr-MA"/>
           </a:p>
@@ -13251,7 +13164,7 @@
           <a:p>
             <a:fld id="{AA5808A4-E24E-43BC-9192-3C4EDE812F60}" type="datetimeFigureOut">
               <a:rPr lang="fr-MA" smtClean="0"/>
-              <a:t>29/11/2019</a:t>
+              <a:t>13/12/2019</a:t>
             </a:fld>
             <a:endParaRPr lang="fr-MA"/>
           </a:p>
@@ -13874,7 +13787,7 @@
           <a:p>
             <a:fld id="{AA5808A4-E24E-43BC-9192-3C4EDE812F60}" type="datetimeFigureOut">
               <a:rPr lang="fr-MA" smtClean="0"/>
-              <a:t>29/11/2019</a:t>
+              <a:t>13/12/2019</a:t>
             </a:fld>
             <a:endParaRPr lang="fr-MA"/>
           </a:p>
@@ -14734,7 +14647,7 @@
           <a:p>
             <a:fld id="{AA5808A4-E24E-43BC-9192-3C4EDE812F60}" type="datetimeFigureOut">
               <a:rPr lang="fr-MA" smtClean="0"/>
-              <a:t>29/11/2019</a:t>
+              <a:t>13/12/2019</a:t>
             </a:fld>
             <a:endParaRPr lang="fr-MA"/>
           </a:p>
@@ -14904,7 +14817,7 @@
           <a:p>
             <a:fld id="{AA5808A4-E24E-43BC-9192-3C4EDE812F60}" type="datetimeFigureOut">
               <a:rPr lang="fr-MA" smtClean="0"/>
-              <a:t>29/11/2019</a:t>
+              <a:t>13/12/2019</a:t>
             </a:fld>
             <a:endParaRPr lang="fr-MA"/>
           </a:p>
@@ -15084,7 +14997,7 @@
           <a:p>
             <a:fld id="{AA5808A4-E24E-43BC-9192-3C4EDE812F60}" type="datetimeFigureOut">
               <a:rPr lang="fr-MA" smtClean="0"/>
-              <a:t>29/11/2019</a:t>
+              <a:t>13/12/2019</a:t>
             </a:fld>
             <a:endParaRPr lang="fr-MA"/>
           </a:p>
@@ -15254,7 +15167,7 @@
           <a:p>
             <a:fld id="{AA5808A4-E24E-43BC-9192-3C4EDE812F60}" type="datetimeFigureOut">
               <a:rPr lang="fr-MA" smtClean="0"/>
-              <a:t>29/11/2019</a:t>
+              <a:t>13/12/2019</a:t>
             </a:fld>
             <a:endParaRPr lang="fr-MA"/>
           </a:p>
@@ -15501,7 +15414,7 @@
           <a:p>
             <a:fld id="{AA5808A4-E24E-43BC-9192-3C4EDE812F60}" type="datetimeFigureOut">
               <a:rPr lang="fr-MA" smtClean="0"/>
-              <a:t>29/11/2019</a:t>
+              <a:t>13/12/2019</a:t>
             </a:fld>
             <a:endParaRPr lang="fr-MA"/>
           </a:p>
@@ -15793,7 +15706,7 @@
           <a:p>
             <a:fld id="{AA5808A4-E24E-43BC-9192-3C4EDE812F60}" type="datetimeFigureOut">
               <a:rPr lang="fr-MA" smtClean="0"/>
-              <a:t>29/11/2019</a:t>
+              <a:t>13/12/2019</a:t>
             </a:fld>
             <a:endParaRPr lang="fr-MA"/>
           </a:p>
@@ -16237,7 +16150,7 @@
           <a:p>
             <a:fld id="{AA5808A4-E24E-43BC-9192-3C4EDE812F60}" type="datetimeFigureOut">
               <a:rPr lang="fr-MA" smtClean="0"/>
-              <a:t>29/11/2019</a:t>
+              <a:t>13/12/2019</a:t>
             </a:fld>
             <a:endParaRPr lang="fr-MA"/>
           </a:p>
@@ -16355,7 +16268,7 @@
           <a:p>
             <a:fld id="{AA5808A4-E24E-43BC-9192-3C4EDE812F60}" type="datetimeFigureOut">
               <a:rPr lang="fr-MA" smtClean="0"/>
-              <a:t>29/11/2019</a:t>
+              <a:t>13/12/2019</a:t>
             </a:fld>
             <a:endParaRPr lang="fr-MA"/>
           </a:p>
@@ -16450,7 +16363,7 @@
           <a:p>
             <a:fld id="{AA5808A4-E24E-43BC-9192-3C4EDE812F60}" type="datetimeFigureOut">
               <a:rPr lang="fr-MA" smtClean="0"/>
-              <a:t>29/11/2019</a:t>
+              <a:t>13/12/2019</a:t>
             </a:fld>
             <a:endParaRPr lang="fr-MA"/>
           </a:p>
@@ -16729,7 +16642,7 @@
           <a:p>
             <a:fld id="{AA5808A4-E24E-43BC-9192-3C4EDE812F60}" type="datetimeFigureOut">
               <a:rPr lang="fr-MA" smtClean="0"/>
-              <a:t>29/11/2019</a:t>
+              <a:t>13/12/2019</a:t>
             </a:fld>
             <a:endParaRPr lang="fr-MA"/>
           </a:p>
@@ -17004,7 +16917,7 @@
           <a:p>
             <a:fld id="{AA5808A4-E24E-43BC-9192-3C4EDE812F60}" type="datetimeFigureOut">
               <a:rPr lang="fr-MA" smtClean="0"/>
-              <a:t>29/11/2019</a:t>
+              <a:t>13/12/2019</a:t>
             </a:fld>
             <a:endParaRPr lang="fr-MA"/>
           </a:p>
@@ -17433,7 +17346,7 @@
           <a:p>
             <a:fld id="{AA5808A4-E24E-43BC-9192-3C4EDE812F60}" type="datetimeFigureOut">
               <a:rPr lang="fr-MA" smtClean="0"/>
-              <a:t>29/11/2019</a:t>
+              <a:t>13/12/2019</a:t>
             </a:fld>
             <a:endParaRPr lang="fr-MA"/>
           </a:p>
@@ -18421,488 +18334,6 @@
           <a:p>
             <a:r>
               <a:rPr lang="fr-MA" dirty="0" smtClean="0"/>
-              <a:t>Cahier de Charge: Team </a:t>
-            </a:r>
-            <a:r>
-              <a:rPr lang="fr-MA" dirty="0" err="1" smtClean="0"/>
-              <a:t>Trello</a:t>
-            </a:r>
-            <a:endParaRPr lang="fr-MA" dirty="0"/>
-          </a:p>
-        </p:txBody>
-      </p:sp>
-      <p:sp>
-        <p:nvSpPr>
-          <p:cNvPr id="3" name="Espace réservé du contenu 2"/>
-          <p:cNvSpPr>
-            <a:spLocks noGrp="1"/>
-          </p:cNvSpPr>
-          <p:nvPr>
-            <p:ph idx="1"/>
-          </p:nvPr>
-        </p:nvSpPr>
-        <p:spPr/>
-        <p:txBody>
-          <a:bodyPr/>
-          <a:lstStyle/>
-          <a:p>
-            <a:r>
-              <a:rPr lang="fr-MA" dirty="0" smtClean="0"/>
-              <a:t>Déclinaison du </a:t>
-            </a:r>
-            <a:r>
-              <a:rPr lang="fr-MA" dirty="0" err="1" smtClean="0"/>
-              <a:t>brief</a:t>
-            </a:r>
-            <a:r>
-              <a:rPr lang="fr-MA" dirty="0" smtClean="0"/>
-              <a:t> sur la plate-forme </a:t>
-            </a:r>
-            <a:r>
-              <a:rPr lang="fr-MA" dirty="0" err="1" smtClean="0"/>
-              <a:t>Trello</a:t>
-            </a:r>
-            <a:r>
-              <a:rPr lang="fr-MA" dirty="0" smtClean="0"/>
-              <a:t>, </a:t>
-            </a:r>
-            <a:r>
-              <a:rPr lang="fr-MA" dirty="0"/>
-              <a:t>l</a:t>
-            </a:r>
-            <a:r>
-              <a:rPr lang="fr-MA" dirty="0" smtClean="0"/>
-              <a:t>es scenarios en </a:t>
-            </a:r>
-            <a:r>
-              <a:rPr lang="fr-MA" dirty="0" err="1" smtClean="0"/>
-              <a:t>Track-Card</a:t>
-            </a:r>
-            <a:r>
-              <a:rPr lang="fr-MA" dirty="0" smtClean="0"/>
-              <a:t> et le </a:t>
-            </a:r>
-            <a:r>
-              <a:rPr lang="fr-MA" dirty="0" err="1" smtClean="0"/>
-              <a:t>Track-Card</a:t>
-            </a:r>
-            <a:r>
-              <a:rPr lang="fr-MA" dirty="0" smtClean="0"/>
-              <a:t> en </a:t>
-            </a:r>
-            <a:r>
-              <a:rPr lang="fr-MA" dirty="0" err="1" smtClean="0"/>
-              <a:t>Step-cards</a:t>
-            </a:r>
-            <a:r>
-              <a:rPr lang="fr-MA" dirty="0" smtClean="0"/>
-              <a:t> à mettre sur la </a:t>
-            </a:r>
-            <a:r>
-              <a:rPr lang="fr-MA" dirty="0" err="1" smtClean="0"/>
-              <a:t>collone</a:t>
-            </a:r>
-            <a:r>
-              <a:rPr lang="fr-MA" dirty="0" smtClean="0"/>
-              <a:t> To-Do</a:t>
-            </a:r>
-          </a:p>
-          <a:p>
-            <a:r>
-              <a:rPr lang="fr-MA" dirty="0" smtClean="0"/>
-              <a:t>Appliquer les jalons, plus les </a:t>
-            </a:r>
-            <a:r>
-              <a:rPr lang="fr-MA" dirty="0" err="1" smtClean="0"/>
-              <a:t>dead-lines</a:t>
-            </a:r>
-            <a:r>
-              <a:rPr lang="fr-MA" dirty="0" smtClean="0"/>
-              <a:t> après validation avec le SM et en être le gardien du temps</a:t>
-            </a:r>
-          </a:p>
-          <a:p>
-            <a:r>
-              <a:rPr lang="fr-MA" dirty="0" smtClean="0"/>
-              <a:t>Validation des commandes une fois le </a:t>
-            </a:r>
-            <a:r>
-              <a:rPr lang="fr-MA" dirty="0" err="1" smtClean="0"/>
-              <a:t>cochage</a:t>
-            </a:r>
-            <a:r>
-              <a:rPr lang="fr-MA" dirty="0" smtClean="0"/>
-              <a:t> fait par la Team Rapport</a:t>
-            </a:r>
-          </a:p>
-          <a:p>
-            <a:r>
-              <a:rPr lang="fr-MA" dirty="0" smtClean="0"/>
-              <a:t>Remonter les anomalies constatées sur le tableau </a:t>
-            </a:r>
-            <a:r>
-              <a:rPr lang="fr-MA" dirty="0" err="1" smtClean="0"/>
-              <a:t>Trello</a:t>
-            </a:r>
-            <a:r>
-              <a:rPr lang="fr-MA" dirty="0" smtClean="0"/>
-              <a:t> au SM</a:t>
-            </a:r>
-          </a:p>
-          <a:p>
-            <a:r>
-              <a:rPr lang="fr-MA" dirty="0" smtClean="0"/>
-              <a:t>Remonter tout blocus au SM</a:t>
-            </a:r>
-          </a:p>
-          <a:p>
-            <a:endParaRPr lang="fr-MA" dirty="0"/>
-          </a:p>
-        </p:txBody>
-      </p:sp>
-    </p:spTree>
-    <p:extLst>
-      <p:ext uri="{BB962C8B-B14F-4D97-AF65-F5344CB8AC3E}">
-        <p14:creationId xmlns:p14="http://schemas.microsoft.com/office/powerpoint/2010/main" val="1562367926"/>
-      </p:ext>
-    </p:extLst>
-  </p:cSld>
-  <p:clrMapOvr>
-    <a:masterClrMapping/>
-  </p:clrMapOvr>
-</p:sld>
-</file>
-
-<file path=ppt/slides/slide5.xml><?xml version="1.0" encoding="utf-8"?>
-<p:sld xmlns:a="http://schemas.openxmlformats.org/drawingml/2006/main" xmlns:r="http://schemas.openxmlformats.org/officeDocument/2006/relationships" xmlns:p="http://schemas.openxmlformats.org/presentationml/2006/main">
-  <p:cSld>
-    <p:spTree>
-      <p:nvGrpSpPr>
-        <p:cNvPr id="1" name=""/>
-        <p:cNvGrpSpPr/>
-        <p:nvPr/>
-      </p:nvGrpSpPr>
-      <p:grpSpPr>
-        <a:xfrm>
-          <a:off x="0" y="0"/>
-          <a:ext cx="0" cy="0"/>
-          <a:chOff x="0" y="0"/>
-          <a:chExt cx="0" cy="0"/>
-        </a:xfrm>
-      </p:grpSpPr>
-      <p:sp>
-        <p:nvSpPr>
-          <p:cNvPr id="2" name="Titre 1"/>
-          <p:cNvSpPr>
-            <a:spLocks noGrp="1"/>
-          </p:cNvSpPr>
-          <p:nvPr>
-            <p:ph type="title"/>
-          </p:nvPr>
-        </p:nvSpPr>
-        <p:spPr/>
-        <p:txBody>
-          <a:bodyPr/>
-          <a:lstStyle/>
-          <a:p>
-            <a:r>
-              <a:rPr lang="fr-MA" dirty="0" smtClean="0"/>
-              <a:t>Cahier de charge: Team GIT</a:t>
-            </a:r>
-            <a:endParaRPr lang="fr-MA" dirty="0"/>
-          </a:p>
-        </p:txBody>
-      </p:sp>
-      <p:sp>
-        <p:nvSpPr>
-          <p:cNvPr id="3" name="Espace réservé du contenu 2"/>
-          <p:cNvSpPr>
-            <a:spLocks noGrp="1"/>
-          </p:cNvSpPr>
-          <p:nvPr>
-            <p:ph idx="1"/>
-          </p:nvPr>
-        </p:nvSpPr>
-        <p:spPr>
-          <a:xfrm>
-            <a:off x="1104293" y="2052918"/>
-            <a:ext cx="8946541" cy="4195481"/>
-          </a:xfrm>
-        </p:spPr>
-        <p:txBody>
-          <a:bodyPr/>
-          <a:lstStyle/>
-          <a:p>
-            <a:r>
-              <a:rPr lang="fr-MA" dirty="0" smtClean="0"/>
-              <a:t>Lecture du </a:t>
-            </a:r>
-            <a:r>
-              <a:rPr lang="fr-MA" dirty="0" err="1" smtClean="0"/>
-              <a:t>product</a:t>
-            </a:r>
-            <a:r>
-              <a:rPr lang="fr-MA" dirty="0" err="1"/>
-              <a:t>-</a:t>
-            </a:r>
-            <a:r>
-              <a:rPr lang="fr-MA" dirty="0" err="1" smtClean="0"/>
-              <a:t>backlog</a:t>
-            </a:r>
-            <a:r>
-              <a:rPr lang="fr-MA" dirty="0" smtClean="0"/>
-              <a:t> sur le tableau </a:t>
-            </a:r>
-            <a:r>
-              <a:rPr lang="fr-MA" dirty="0" err="1" smtClean="0"/>
-              <a:t>Trello</a:t>
-            </a:r>
-            <a:endParaRPr lang="fr-MA" dirty="0" smtClean="0"/>
-          </a:p>
-          <a:p>
-            <a:r>
-              <a:rPr lang="fr-MA" dirty="0" smtClean="0"/>
-              <a:t>Application des commandes demandées par le </a:t>
-            </a:r>
-            <a:r>
-              <a:rPr lang="fr-MA" dirty="0" err="1" smtClean="0"/>
-              <a:t>product</a:t>
-            </a:r>
-            <a:r>
-              <a:rPr lang="fr-MA" dirty="0" err="1"/>
-              <a:t>-</a:t>
-            </a:r>
-            <a:r>
-              <a:rPr lang="fr-MA" dirty="0" err="1" smtClean="0"/>
-              <a:t>backlog</a:t>
-            </a:r>
-            <a:endParaRPr lang="fr-MA" dirty="0" smtClean="0"/>
-          </a:p>
-          <a:p>
-            <a:r>
-              <a:rPr lang="fr-MA" dirty="0" smtClean="0"/>
-              <a:t>Rapporter les actions faites ainsi que les </a:t>
-            </a:r>
-            <a:r>
-              <a:rPr lang="fr-MA" dirty="0" err="1" smtClean="0"/>
-              <a:t>screenshot</a:t>
-            </a:r>
-            <a:r>
-              <a:rPr lang="fr-MA" dirty="0" smtClean="0"/>
-              <a:t> sur le canal  ‘Rapport – Discord’</a:t>
-            </a:r>
-          </a:p>
-          <a:p>
-            <a:r>
-              <a:rPr lang="fr-MA" dirty="0" smtClean="0"/>
-              <a:t>Tenir ajour le ‘</a:t>
-            </a:r>
-            <a:r>
-              <a:rPr lang="fr-MA" dirty="0" err="1" smtClean="0"/>
-              <a:t>Doing</a:t>
-            </a:r>
-            <a:r>
-              <a:rPr lang="fr-MA" dirty="0" smtClean="0"/>
-              <a:t>’ et le </a:t>
-            </a:r>
-            <a:r>
-              <a:rPr lang="fr-MA" dirty="0" err="1" smtClean="0"/>
-              <a:t>cochage</a:t>
-            </a:r>
-            <a:r>
-              <a:rPr lang="fr-MA" dirty="0" smtClean="0"/>
-              <a:t> des </a:t>
-            </a:r>
-            <a:r>
-              <a:rPr lang="fr-MA" dirty="0" err="1" smtClean="0"/>
-              <a:t>Card</a:t>
-            </a:r>
-            <a:r>
-              <a:rPr lang="fr-MA" dirty="0" smtClean="0"/>
-              <a:t> de plate-forme </a:t>
-            </a:r>
-            <a:r>
-              <a:rPr lang="fr-MA" dirty="0" err="1" smtClean="0"/>
-              <a:t>Trello</a:t>
-            </a:r>
-            <a:endParaRPr lang="fr-MA" dirty="0" smtClean="0"/>
-          </a:p>
-          <a:p>
-            <a:r>
-              <a:rPr lang="fr-MA" dirty="0" smtClean="0"/>
-              <a:t>Remonter tout blocus au SM</a:t>
-            </a:r>
-          </a:p>
-          <a:p>
-            <a:endParaRPr lang="fr-MA" dirty="0" smtClean="0"/>
-          </a:p>
-          <a:p>
-            <a:endParaRPr lang="fr-MA" dirty="0"/>
-          </a:p>
-        </p:txBody>
-      </p:sp>
-    </p:spTree>
-    <p:extLst>
-      <p:ext uri="{BB962C8B-B14F-4D97-AF65-F5344CB8AC3E}">
-        <p14:creationId xmlns:p14="http://schemas.microsoft.com/office/powerpoint/2010/main" val="3527179000"/>
-      </p:ext>
-    </p:extLst>
-  </p:cSld>
-  <p:clrMapOvr>
-    <a:masterClrMapping/>
-  </p:clrMapOvr>
-</p:sld>
-</file>
-
-<file path=ppt/slides/slide6.xml><?xml version="1.0" encoding="utf-8"?>
-<p:sld xmlns:a="http://schemas.openxmlformats.org/drawingml/2006/main" xmlns:r="http://schemas.openxmlformats.org/officeDocument/2006/relationships" xmlns:p="http://schemas.openxmlformats.org/presentationml/2006/main">
-  <p:cSld>
-    <p:spTree>
-      <p:nvGrpSpPr>
-        <p:cNvPr id="1" name=""/>
-        <p:cNvGrpSpPr/>
-        <p:nvPr/>
-      </p:nvGrpSpPr>
-      <p:grpSpPr>
-        <a:xfrm>
-          <a:off x="0" y="0"/>
-          <a:ext cx="0" cy="0"/>
-          <a:chOff x="0" y="0"/>
-          <a:chExt cx="0" cy="0"/>
-        </a:xfrm>
-      </p:grpSpPr>
-      <p:sp>
-        <p:nvSpPr>
-          <p:cNvPr id="2" name="Titre 1"/>
-          <p:cNvSpPr>
-            <a:spLocks noGrp="1"/>
-          </p:cNvSpPr>
-          <p:nvPr>
-            <p:ph type="title"/>
-          </p:nvPr>
-        </p:nvSpPr>
-        <p:spPr/>
-        <p:txBody>
-          <a:bodyPr/>
-          <a:lstStyle/>
-          <a:p>
-            <a:r>
-              <a:rPr lang="fr-MA" dirty="0" smtClean="0"/>
-              <a:t>Cahier de charge: Team Rapport</a:t>
-            </a:r>
-            <a:endParaRPr lang="fr-MA" dirty="0"/>
-          </a:p>
-        </p:txBody>
-      </p:sp>
-      <p:sp>
-        <p:nvSpPr>
-          <p:cNvPr id="3" name="Espace réservé du contenu 2"/>
-          <p:cNvSpPr>
-            <a:spLocks noGrp="1"/>
-          </p:cNvSpPr>
-          <p:nvPr>
-            <p:ph idx="1"/>
-          </p:nvPr>
-        </p:nvSpPr>
-        <p:spPr/>
-        <p:txBody>
-          <a:bodyPr/>
-          <a:lstStyle/>
-          <a:p>
-            <a:r>
-              <a:rPr lang="fr-MA" dirty="0" smtClean="0"/>
-              <a:t>Décliner le canal ‘Rapport – Discord’ en documentation</a:t>
-            </a:r>
-          </a:p>
-          <a:p>
-            <a:r>
-              <a:rPr lang="fr-MA" dirty="0" smtClean="0"/>
-              <a:t>Remonter les anomalies constatées sur le canal Discord au SM</a:t>
-            </a:r>
-          </a:p>
-          <a:p>
-            <a:r>
-              <a:rPr lang="fr-MA" dirty="0" smtClean="0"/>
-              <a:t>Tenir ajour la </a:t>
-            </a:r>
-            <a:r>
-              <a:rPr lang="fr-MA" dirty="0" err="1" smtClean="0"/>
-              <a:t>Track</a:t>
-            </a:r>
-            <a:r>
-              <a:rPr lang="fr-MA" dirty="0" err="1"/>
-              <a:t>-</a:t>
-            </a:r>
-            <a:r>
-              <a:rPr lang="fr-MA" dirty="0" err="1" smtClean="0"/>
-              <a:t>Card</a:t>
-            </a:r>
-            <a:r>
-              <a:rPr lang="fr-MA" dirty="0" smtClean="0"/>
-              <a:t> sur le tableau </a:t>
-            </a:r>
-            <a:r>
-              <a:rPr lang="fr-MA" dirty="0" err="1" smtClean="0"/>
-              <a:t>Trello</a:t>
-            </a:r>
-            <a:endParaRPr lang="fr-MA" dirty="0" smtClean="0"/>
-          </a:p>
-          <a:p>
-            <a:r>
-              <a:rPr lang="fr-MA" dirty="0" smtClean="0"/>
-              <a:t>Remonter tout blocus au SM</a:t>
-            </a:r>
-            <a:endParaRPr lang="fr-MA" dirty="0"/>
-          </a:p>
-        </p:txBody>
-      </p:sp>
-    </p:spTree>
-    <p:extLst>
-      <p:ext uri="{BB962C8B-B14F-4D97-AF65-F5344CB8AC3E}">
-        <p14:creationId xmlns:p14="http://schemas.microsoft.com/office/powerpoint/2010/main" val="901668414"/>
-      </p:ext>
-    </p:extLst>
-  </p:cSld>
-  <p:clrMapOvr>
-    <a:masterClrMapping/>
-  </p:clrMapOvr>
-</p:sld>
-</file>
-
-<file path=ppt/slides/slide7.xml><?xml version="1.0" encoding="utf-8"?>
-<p:sld xmlns:a="http://schemas.openxmlformats.org/drawingml/2006/main" xmlns:r="http://schemas.openxmlformats.org/officeDocument/2006/relationships" xmlns:p="http://schemas.openxmlformats.org/presentationml/2006/main">
-  <p:cSld>
-    <p:spTree>
-      <p:nvGrpSpPr>
-        <p:cNvPr id="1" name=""/>
-        <p:cNvGrpSpPr/>
-        <p:nvPr/>
-      </p:nvGrpSpPr>
-      <p:grpSpPr>
-        <a:xfrm>
-          <a:off x="0" y="0"/>
-          <a:ext cx="0" cy="0"/>
-          <a:chOff x="0" y="0"/>
-          <a:chExt cx="0" cy="0"/>
-        </a:xfrm>
-      </p:grpSpPr>
-      <p:sp>
-        <p:nvSpPr>
-          <p:cNvPr id="2" name="Titre 1"/>
-          <p:cNvSpPr>
-            <a:spLocks noGrp="1"/>
-          </p:cNvSpPr>
-          <p:nvPr>
-            <p:ph type="title"/>
-          </p:nvPr>
-        </p:nvSpPr>
-        <p:spPr/>
-        <p:txBody>
-          <a:bodyPr/>
-          <a:lstStyle/>
-          <a:p>
-            <a:r>
-              <a:rPr lang="fr-MA" dirty="0" smtClean="0"/>
               <a:t>Quelques graphiques utiles</a:t>
             </a:r>
             <a:endParaRPr lang="fr-MA" dirty="0"/>
@@ -18991,7 +18422,7 @@
 </p:sld>
 </file>
 
-<file path=ppt/slides/slide8.xml><?xml version="1.0" encoding="utf-8"?>
+<file path=ppt/slides/slide5.xml><?xml version="1.0" encoding="utf-8"?>
 <p:sld xmlns:a="http://schemas.openxmlformats.org/drawingml/2006/main" xmlns:r="http://schemas.openxmlformats.org/officeDocument/2006/relationships" xmlns:p="http://schemas.openxmlformats.org/presentationml/2006/main">
   <p:cSld>
     <p:spTree>
@@ -19135,7 +18566,7 @@
 </p:sld>
 </file>
 
-<file path=ppt/slides/slide9.xml><?xml version="1.0" encoding="utf-8"?>
+<file path=ppt/slides/slide6.xml><?xml version="1.0" encoding="utf-8"?>
 <p:sld xmlns:a="http://schemas.openxmlformats.org/drawingml/2006/main" xmlns:r="http://schemas.openxmlformats.org/officeDocument/2006/relationships" xmlns:p="http://schemas.openxmlformats.org/presentationml/2006/main">
   <p:cSld>
     <p:spTree>
